--- a/Slide/Bai1.pptx
+++ b/Slide/Bai1.pptx
@@ -11,6 +11,8 @@
     <p:sldId id="261" r:id="rId5"/>
     <p:sldId id="259" r:id="rId6"/>
     <p:sldId id="260" r:id="rId7"/>
+    <p:sldId id="262" r:id="rId8"/>
+    <p:sldId id="263" r:id="rId9"/>
   </p:sldIdLst>
   <p:sldSz cx="12192000" cy="6858000"/>
   <p:notesSz cx="6858000" cy="9144000"/>
@@ -109,6 +111,11 @@
       </a:defRPr>
     </a:lvl9pPr>
   </p:defaultTextStyle>
+  <p:extLst>
+    <p:ext uri="{EFAFB233-063F-42B5-8137-9DF3F51BA10A}">
+      <p15:sldGuideLst xmlns:p15="http://schemas.microsoft.com/office/powerpoint/2012/main"/>
+    </p:ext>
+  </p:extLst>
 </p:presentation>
 </file>
 
@@ -259,7 +266,7 @@
           <a:p>
             <a:fld id="{04280A6A-8739-4A39-8F3A-93C129D56FF4}" type="datetimeFigureOut">
               <a:rPr lang="en-US" smtClean="0"/>
-              <a:t>4/4/2020</a:t>
+              <a:t>4/5/2020</a:t>
             </a:fld>
             <a:endParaRPr lang="en-US"/>
           </a:p>
@@ -457,7 +464,7 @@
           <a:p>
             <a:fld id="{04280A6A-8739-4A39-8F3A-93C129D56FF4}" type="datetimeFigureOut">
               <a:rPr lang="en-US" smtClean="0"/>
-              <a:t>4/4/2020</a:t>
+              <a:t>4/5/2020</a:t>
             </a:fld>
             <a:endParaRPr lang="en-US"/>
           </a:p>
@@ -665,7 +672,7 @@
           <a:p>
             <a:fld id="{04280A6A-8739-4A39-8F3A-93C129D56FF4}" type="datetimeFigureOut">
               <a:rPr lang="en-US" smtClean="0"/>
-              <a:t>4/4/2020</a:t>
+              <a:t>4/5/2020</a:t>
             </a:fld>
             <a:endParaRPr lang="en-US"/>
           </a:p>
@@ -863,7 +870,7 @@
           <a:p>
             <a:fld id="{04280A6A-8739-4A39-8F3A-93C129D56FF4}" type="datetimeFigureOut">
               <a:rPr lang="en-US" smtClean="0"/>
-              <a:t>4/4/2020</a:t>
+              <a:t>4/5/2020</a:t>
             </a:fld>
             <a:endParaRPr lang="en-US"/>
           </a:p>
@@ -1138,7 +1145,7 @@
           <a:p>
             <a:fld id="{04280A6A-8739-4A39-8F3A-93C129D56FF4}" type="datetimeFigureOut">
               <a:rPr lang="en-US" smtClean="0"/>
-              <a:t>4/4/2020</a:t>
+              <a:t>4/5/2020</a:t>
             </a:fld>
             <a:endParaRPr lang="en-US"/>
           </a:p>
@@ -1403,7 +1410,7 @@
           <a:p>
             <a:fld id="{04280A6A-8739-4A39-8F3A-93C129D56FF4}" type="datetimeFigureOut">
               <a:rPr lang="en-US" smtClean="0"/>
-              <a:t>4/4/2020</a:t>
+              <a:t>4/5/2020</a:t>
             </a:fld>
             <a:endParaRPr lang="en-US"/>
           </a:p>
@@ -1815,7 +1822,7 @@
           <a:p>
             <a:fld id="{04280A6A-8739-4A39-8F3A-93C129D56FF4}" type="datetimeFigureOut">
               <a:rPr lang="en-US" smtClean="0"/>
-              <a:t>4/4/2020</a:t>
+              <a:t>4/5/2020</a:t>
             </a:fld>
             <a:endParaRPr lang="en-US"/>
           </a:p>
@@ -1956,7 +1963,7 @@
           <a:p>
             <a:fld id="{04280A6A-8739-4A39-8F3A-93C129D56FF4}" type="datetimeFigureOut">
               <a:rPr lang="en-US" smtClean="0"/>
-              <a:t>4/4/2020</a:t>
+              <a:t>4/5/2020</a:t>
             </a:fld>
             <a:endParaRPr lang="en-US"/>
           </a:p>
@@ -2069,7 +2076,7 @@
           <a:p>
             <a:fld id="{04280A6A-8739-4A39-8F3A-93C129D56FF4}" type="datetimeFigureOut">
               <a:rPr lang="en-US" smtClean="0"/>
-              <a:t>4/4/2020</a:t>
+              <a:t>4/5/2020</a:t>
             </a:fld>
             <a:endParaRPr lang="en-US"/>
           </a:p>
@@ -2380,7 +2387,7 @@
           <a:p>
             <a:fld id="{04280A6A-8739-4A39-8F3A-93C129D56FF4}" type="datetimeFigureOut">
               <a:rPr lang="en-US" smtClean="0"/>
-              <a:t>4/4/2020</a:t>
+              <a:t>4/5/2020</a:t>
             </a:fld>
             <a:endParaRPr lang="en-US"/>
           </a:p>
@@ -2668,7 +2675,7 @@
           <a:p>
             <a:fld id="{04280A6A-8739-4A39-8F3A-93C129D56FF4}" type="datetimeFigureOut">
               <a:rPr lang="en-US" smtClean="0"/>
-              <a:t>4/4/2020</a:t>
+              <a:t>4/5/2020</a:t>
             </a:fld>
             <a:endParaRPr lang="en-US"/>
           </a:p>
@@ -2909,7 +2916,7 @@
           <a:p>
             <a:fld id="{04280A6A-8739-4A39-8F3A-93C129D56FF4}" type="datetimeFigureOut">
               <a:rPr lang="en-US" smtClean="0"/>
-              <a:t>4/4/2020</a:t>
+              <a:t>4/5/2020</a:t>
             </a:fld>
             <a:endParaRPr lang="en-US"/>
           </a:p>
@@ -3800,12 +3807,52 @@
               <a:buChar char="-"/>
             </a:pPr>
             <a:r>
-              <a:rPr lang="en-US" sz="2400">
+              <a:rPr lang="en-US" sz="2400" dirty="0" err="1">
                 <a:solidFill>
                   <a:schemeClr val="bg1"/>
                 </a:solidFill>
               </a:rPr>
-              <a:t>Gồm 3 thành phần: Database &lt;-&gt; Back End &lt;-&gt; Front End</a:t>
+              <a:t>Gồm</a:t>
+            </a:r>
+            <a:r>
+              <a:rPr lang="en-US" sz="2400" dirty="0">
+                <a:solidFill>
+                  <a:schemeClr val="bg1"/>
+                </a:solidFill>
+              </a:rPr>
+              <a:t> 3 </a:t>
+            </a:r>
+            <a:r>
+              <a:rPr lang="en-US" sz="2400" dirty="0" err="1">
+                <a:solidFill>
+                  <a:schemeClr val="bg1"/>
+                </a:solidFill>
+              </a:rPr>
+              <a:t>thành</a:t>
+            </a:r>
+            <a:r>
+              <a:rPr lang="en-US" sz="2400" dirty="0">
+                <a:solidFill>
+                  <a:schemeClr val="bg1"/>
+                </a:solidFill>
+              </a:rPr>
+              <a:t> </a:t>
+            </a:r>
+            <a:r>
+              <a:rPr lang="en-US" sz="2400" dirty="0" err="1">
+                <a:solidFill>
+                  <a:schemeClr val="bg1"/>
+                </a:solidFill>
+              </a:rPr>
+              <a:t>phần</a:t>
+            </a:r>
+            <a:r>
+              <a:rPr lang="en-US" sz="2400" dirty="0">
+                <a:solidFill>
+                  <a:schemeClr val="bg1"/>
+                </a:solidFill>
+              </a:rPr>
+              <a:t>: Database &lt;-&gt; Back End &lt;-&gt; Front End</a:t>
             </a:r>
           </a:p>
           <a:p>
@@ -3814,12 +3861,36 @@
               <a:buChar char="-"/>
             </a:pPr>
             <a:r>
-              <a:rPr lang="en-US" sz="2400">
+              <a:rPr lang="en-US" sz="2400" dirty="0" err="1">
                 <a:solidFill>
                   <a:schemeClr val="bg1"/>
                 </a:solidFill>
               </a:rPr>
-              <a:t>Phổ biến:</a:t>
+              <a:t>Phổ</a:t>
+            </a:r>
+            <a:r>
+              <a:rPr lang="en-US" sz="2400" dirty="0">
+                <a:solidFill>
+                  <a:schemeClr val="bg1"/>
+                </a:solidFill>
+              </a:rPr>
+              <a:t> </a:t>
+            </a:r>
+            <a:r>
+              <a:rPr lang="en-US" sz="2400" dirty="0" err="1">
+                <a:solidFill>
+                  <a:schemeClr val="bg1"/>
+                </a:solidFill>
+              </a:rPr>
+              <a:t>biến</a:t>
+            </a:r>
+            <a:r>
+              <a:rPr lang="en-US" sz="2400" dirty="0">
+                <a:solidFill>
+                  <a:schemeClr val="bg1"/>
+                </a:solidFill>
+              </a:rPr>
+              <a:t>:</a:t>
             </a:r>
           </a:p>
           <a:p>
@@ -3828,7 +3899,7 @@
               <a:buChar char="-"/>
             </a:pPr>
             <a:r>
-              <a:rPr lang="en-US" sz="2400">
+              <a:rPr lang="en-US" sz="2400" dirty="0">
                 <a:solidFill>
                   <a:schemeClr val="bg1"/>
                 </a:solidFill>
@@ -3842,7 +3913,7 @@
               <a:buChar char="-"/>
             </a:pPr>
             <a:r>
-              <a:rPr lang="en-US" sz="2400">
+              <a:rPr lang="en-US" sz="2400" dirty="0">
                 <a:solidFill>
                   <a:schemeClr val="bg1"/>
                 </a:solidFill>
@@ -3856,7 +3927,7 @@
               <a:buChar char="-"/>
             </a:pPr>
             <a:r>
-              <a:rPr lang="en-US" sz="2400">
+              <a:rPr lang="en-US" sz="2400" dirty="0">
                 <a:solidFill>
                   <a:schemeClr val="bg1"/>
                 </a:solidFill>
@@ -3870,7 +3941,7 @@
               <a:buChar char="-"/>
             </a:pPr>
             <a:r>
-              <a:rPr lang="en-US" sz="2400">
+              <a:rPr lang="en-US" sz="2400" dirty="0">
                 <a:solidFill>
                   <a:schemeClr val="bg1"/>
                 </a:solidFill>
@@ -3884,7 +3955,7 @@
               <a:buChar char="-"/>
             </a:pPr>
             <a:r>
-              <a:rPr lang="en-US" sz="2400">
+              <a:rPr lang="en-US" sz="2400" dirty="0">
                 <a:solidFill>
                   <a:schemeClr val="bg1"/>
                 </a:solidFill>
@@ -3898,7 +3969,7 @@
               <a:buChar char="-"/>
             </a:pPr>
             <a:r>
-              <a:rPr lang="en-US" sz="2400">
+              <a:rPr lang="en-US" sz="2400" dirty="0">
                 <a:solidFill>
                   <a:schemeClr val="bg1"/>
                 </a:solidFill>
@@ -3912,7 +3983,7 @@
               <a:buChar char="-"/>
             </a:pPr>
             <a:r>
-              <a:rPr lang="en-US" sz="2400">
+              <a:rPr lang="en-US" sz="2400" dirty="0">
                 <a:solidFill>
                   <a:schemeClr val="bg1"/>
                 </a:solidFill>
@@ -3925,7 +3996,7 @@
               <a:buFontTx/>
               <a:buChar char="-"/>
             </a:pPr>
-            <a:endParaRPr lang="en-US" sz="2400">
+            <a:endParaRPr lang="en-US" sz="2400" dirty="0">
               <a:solidFill>
                 <a:schemeClr val="bg1"/>
               </a:solidFill>
@@ -4856,6 +4927,1083 @@
     <p:extLst>
       <p:ext uri="{BB962C8B-B14F-4D97-AF65-F5344CB8AC3E}">
         <p14:creationId xmlns:p14="http://schemas.microsoft.com/office/powerpoint/2010/main" val="1862905905"/>
+      </p:ext>
+    </p:extLst>
+  </p:cSld>
+  <p:clrMapOvr>
+    <a:masterClrMapping/>
+  </p:clrMapOvr>
+</p:sld>
+</file>
+
+<file path=ppt/slides/slide7.xml><?xml version="1.0" encoding="utf-8"?>
+<p:sld xmlns:a="http://schemas.openxmlformats.org/drawingml/2006/main" xmlns:r="http://schemas.openxmlformats.org/officeDocument/2006/relationships" xmlns:p="http://schemas.openxmlformats.org/presentationml/2006/main">
+  <p:cSld>
+    <p:spTree>
+      <p:nvGrpSpPr>
+        <p:cNvPr id="1" name=""/>
+        <p:cNvGrpSpPr/>
+        <p:nvPr/>
+      </p:nvGrpSpPr>
+      <p:grpSpPr>
+        <a:xfrm>
+          <a:off x="0" y="0"/>
+          <a:ext cx="0" cy="0"/>
+          <a:chOff x="0" y="0"/>
+          <a:chExt cx="0" cy="0"/>
+        </a:xfrm>
+      </p:grpSpPr>
+      <p:sp>
+        <p:nvSpPr>
+          <p:cNvPr id="2" name="Title 1">
+            <a:extLst>
+              <a:ext uri="{FF2B5EF4-FFF2-40B4-BE49-F238E27FC236}">
+                <a16:creationId xmlns:a16="http://schemas.microsoft.com/office/drawing/2014/main" id="{D1A55564-F302-4BDD-BFE9-31E54A7701ED}"/>
+              </a:ext>
+            </a:extLst>
+          </p:cNvPr>
+          <p:cNvSpPr>
+            <a:spLocks noGrp="1"/>
+          </p:cNvSpPr>
+          <p:nvPr>
+            <p:ph type="title"/>
+          </p:nvPr>
+        </p:nvSpPr>
+        <p:spPr/>
+        <p:txBody>
+          <a:bodyPr/>
+          <a:lstStyle/>
+          <a:p>
+            <a:r>
+              <a:rPr lang="en-US" dirty="0"/>
+              <a:t>B</a:t>
+            </a:r>
+            <a:r>
+              <a:rPr lang="vi-VN" dirty="0"/>
+              <a:t>ư</a:t>
+            </a:r>
+            <a:r>
+              <a:rPr lang="en-US" dirty="0" err="1"/>
+              <a:t>ớc</a:t>
+            </a:r>
+            <a:r>
+              <a:rPr lang="en-US" dirty="0"/>
+              <a:t> </a:t>
+            </a:r>
+            <a:r>
+              <a:rPr lang="en-US" dirty="0" err="1"/>
+              <a:t>đầu</a:t>
+            </a:r>
+            <a:r>
+              <a:rPr lang="en-US" dirty="0"/>
+              <a:t> API</a:t>
+            </a:r>
+          </a:p>
+        </p:txBody>
+      </p:sp>
+      <p:pic>
+        <p:nvPicPr>
+          <p:cNvPr id="4" name="Content Placeholder 3">
+            <a:extLst>
+              <a:ext uri="{FF2B5EF4-FFF2-40B4-BE49-F238E27FC236}">
+                <a16:creationId xmlns:a16="http://schemas.microsoft.com/office/drawing/2014/main" id="{E0791BA4-D31C-407A-8C8F-0B3F84F6D4DE}"/>
+              </a:ext>
+            </a:extLst>
+          </p:cNvPr>
+          <p:cNvPicPr>
+            <a:picLocks noGrp="1" noChangeAspect="1"/>
+          </p:cNvPicPr>
+          <p:nvPr>
+            <p:ph idx="1"/>
+          </p:nvPr>
+        </p:nvPicPr>
+        <p:blipFill>
+          <a:blip r:embed="rId2"/>
+          <a:stretch>
+            <a:fillRect/>
+          </a:stretch>
+        </p:blipFill>
+        <p:spPr>
+          <a:xfrm>
+            <a:off x="9601433" y="1340445"/>
+            <a:ext cx="2539951" cy="4351338"/>
+          </a:xfrm>
+          <a:prstGeom prst="rect">
+            <a:avLst/>
+          </a:prstGeom>
+        </p:spPr>
+      </p:pic>
+      <p:sp>
+        <p:nvSpPr>
+          <p:cNvPr id="6" name="TextBox 5">
+            <a:extLst>
+              <a:ext uri="{FF2B5EF4-FFF2-40B4-BE49-F238E27FC236}">
+                <a16:creationId xmlns:a16="http://schemas.microsoft.com/office/drawing/2014/main" id="{A22822FE-C85C-4791-BC86-12F154F7DB4A}"/>
+              </a:ext>
+            </a:extLst>
+          </p:cNvPr>
+          <p:cNvSpPr txBox="1"/>
+          <p:nvPr/>
+        </p:nvSpPr>
+        <p:spPr>
+          <a:xfrm>
+            <a:off x="838200" y="1690688"/>
+            <a:ext cx="8763233" cy="4001095"/>
+          </a:xfrm>
+          <a:prstGeom prst="rect">
+            <a:avLst/>
+          </a:prstGeom>
+          <a:noFill/>
+        </p:spPr>
+        <p:txBody>
+          <a:bodyPr wrap="none" rtlCol="0">
+            <a:spAutoFit/>
+          </a:bodyPr>
+          <a:lstStyle/>
+          <a:p>
+            <a:r>
+              <a:rPr lang="en-US" sz="2800" b="1" dirty="0"/>
+              <a:t>B1) </a:t>
+            </a:r>
+            <a:r>
+              <a:rPr lang="en-US" sz="2800" b="1" dirty="0" err="1"/>
+              <a:t>Nhấn</a:t>
+            </a:r>
+            <a:r>
+              <a:rPr lang="en-US" sz="2800" b="1" dirty="0"/>
+              <a:t> </a:t>
+            </a:r>
+            <a:r>
+              <a:rPr lang="en-US" sz="2800" b="1" dirty="0" err="1"/>
+              <a:t>choột</a:t>
+            </a:r>
+            <a:r>
+              <a:rPr lang="en-US" sz="2800" b="1" dirty="0"/>
+              <a:t> </a:t>
+            </a:r>
+            <a:r>
+              <a:rPr lang="en-US" sz="2800" b="1" dirty="0" err="1"/>
+              <a:t>phải</a:t>
+            </a:r>
+            <a:r>
+              <a:rPr lang="en-US" sz="2800" b="1" dirty="0"/>
+              <a:t> </a:t>
+            </a:r>
+            <a:r>
+              <a:rPr lang="en-US" sz="2800" b="1" dirty="0" err="1"/>
+              <a:t>vào</a:t>
+            </a:r>
+            <a:r>
+              <a:rPr lang="en-US" sz="2800" b="1" dirty="0"/>
+              <a:t> Solution </a:t>
+            </a:r>
+            <a:r>
+              <a:rPr lang="en-US" sz="2800" b="1" dirty="0" err="1"/>
+              <a:t>rồi</a:t>
+            </a:r>
+            <a:r>
+              <a:rPr lang="en-US" sz="2800" b="1" dirty="0"/>
+              <a:t> </a:t>
+            </a:r>
+            <a:r>
+              <a:rPr lang="en-US" sz="2800" b="1" dirty="0" err="1"/>
+              <a:t>chọn</a:t>
+            </a:r>
+            <a:r>
+              <a:rPr lang="en-US" sz="2800" b="1" dirty="0"/>
+              <a:t> Restore </a:t>
+            </a:r>
+            <a:r>
+              <a:rPr lang="en-US" sz="2800" b="1" dirty="0" err="1"/>
+              <a:t>Nuget</a:t>
+            </a:r>
+            <a:r>
+              <a:rPr lang="en-US" sz="2800" b="1" dirty="0"/>
+              <a:t>:</a:t>
+            </a:r>
+          </a:p>
+          <a:p>
+            <a:endParaRPr lang="en-US" dirty="0"/>
+          </a:p>
+          <a:p>
+            <a:r>
+              <a:rPr lang="en-US" b="1" dirty="0" err="1"/>
+              <a:t>Nuget</a:t>
+            </a:r>
+            <a:r>
+              <a:rPr lang="en-US" dirty="0"/>
+              <a:t>: </a:t>
+            </a:r>
+            <a:r>
+              <a:rPr lang="en-US" dirty="0" err="1"/>
+              <a:t>là</a:t>
+            </a:r>
+            <a:r>
+              <a:rPr lang="en-US" dirty="0"/>
+              <a:t> </a:t>
+            </a:r>
+            <a:r>
+              <a:rPr lang="en-US" dirty="0" err="1"/>
+              <a:t>cái</a:t>
+            </a:r>
+            <a:r>
+              <a:rPr lang="en-US" dirty="0"/>
+              <a:t> </a:t>
+            </a:r>
+            <a:r>
+              <a:rPr lang="en-US" dirty="0" err="1"/>
+              <a:t>chợ</a:t>
+            </a:r>
+            <a:r>
+              <a:rPr lang="en-US" dirty="0"/>
+              <a:t> </a:t>
+            </a:r>
+            <a:r>
+              <a:rPr lang="en-US" dirty="0" err="1"/>
+              <a:t>chứa</a:t>
+            </a:r>
+            <a:r>
+              <a:rPr lang="en-US" dirty="0"/>
+              <a:t> </a:t>
+            </a:r>
+            <a:r>
+              <a:rPr lang="en-US" dirty="0" err="1"/>
+              <a:t>các</a:t>
+            </a:r>
+            <a:r>
+              <a:rPr lang="en-US" dirty="0"/>
+              <a:t> </a:t>
+            </a:r>
+            <a:r>
+              <a:rPr lang="en-US" dirty="0" err="1"/>
+              <a:t>th</a:t>
+            </a:r>
+            <a:r>
+              <a:rPr lang="vi-VN" dirty="0"/>
+              <a:t>ư</a:t>
+            </a:r>
+            <a:r>
+              <a:rPr lang="en-US" dirty="0"/>
+              <a:t> </a:t>
+            </a:r>
+            <a:r>
+              <a:rPr lang="en-US" dirty="0" err="1"/>
+              <a:t>viện</a:t>
+            </a:r>
+            <a:r>
+              <a:rPr lang="en-US" dirty="0"/>
+              <a:t> </a:t>
+            </a:r>
+          </a:p>
+          <a:p>
+            <a:r>
+              <a:rPr lang="en-US" b="1" dirty="0"/>
+              <a:t>Library</a:t>
+            </a:r>
+            <a:r>
+              <a:rPr lang="en-US" dirty="0"/>
+              <a:t>: </a:t>
+            </a:r>
+            <a:r>
+              <a:rPr lang="en-US" dirty="0" err="1"/>
+              <a:t>là</a:t>
+            </a:r>
+            <a:r>
+              <a:rPr lang="en-US" dirty="0"/>
+              <a:t> 1 </a:t>
+            </a:r>
+            <a:r>
+              <a:rPr lang="en-US" dirty="0" err="1"/>
+              <a:t>tập</a:t>
+            </a:r>
+            <a:r>
+              <a:rPr lang="en-US" dirty="0"/>
+              <a:t> </a:t>
+            </a:r>
+            <a:r>
+              <a:rPr lang="en-US" dirty="0" err="1"/>
+              <a:t>hợp</a:t>
+            </a:r>
+            <a:r>
+              <a:rPr lang="en-US" dirty="0"/>
+              <a:t> </a:t>
+            </a:r>
+            <a:r>
+              <a:rPr lang="en-US" dirty="0" err="1"/>
+              <a:t>các</a:t>
+            </a:r>
+            <a:r>
+              <a:rPr lang="en-US" dirty="0"/>
+              <a:t> </a:t>
+            </a:r>
+            <a:r>
+              <a:rPr lang="en-US" dirty="0" err="1"/>
+              <a:t>chức</a:t>
+            </a:r>
+            <a:r>
+              <a:rPr lang="en-US" dirty="0"/>
+              <a:t> </a:t>
+            </a:r>
+            <a:r>
+              <a:rPr lang="en-US" dirty="0" err="1"/>
+              <a:t>năng</a:t>
+            </a:r>
+            <a:r>
+              <a:rPr lang="en-US" dirty="0"/>
+              <a:t> </a:t>
+            </a:r>
+            <a:r>
+              <a:rPr lang="en-US" dirty="0" err="1"/>
+              <a:t>chuyên</a:t>
+            </a:r>
+            <a:r>
+              <a:rPr lang="en-US" dirty="0"/>
+              <a:t> </a:t>
+            </a:r>
+            <a:r>
+              <a:rPr lang="en-US" dirty="0" err="1"/>
+              <a:t>dụng</a:t>
+            </a:r>
+            <a:r>
+              <a:rPr lang="en-US" dirty="0"/>
+              <a:t>.</a:t>
+            </a:r>
+          </a:p>
+          <a:p>
+            <a:endParaRPr lang="en-US" dirty="0"/>
+          </a:p>
+          <a:p>
+            <a:r>
+              <a:rPr lang="en-US" i="1" dirty="0" err="1"/>
+              <a:t>Để</a:t>
+            </a:r>
+            <a:r>
+              <a:rPr lang="en-US" i="1" dirty="0"/>
+              <a:t> </a:t>
+            </a:r>
+            <a:r>
+              <a:rPr lang="en-US" i="1" dirty="0" err="1"/>
+              <a:t>kéo</a:t>
+            </a:r>
+            <a:r>
+              <a:rPr lang="en-US" i="1" dirty="0"/>
+              <a:t> </a:t>
+            </a:r>
+            <a:r>
+              <a:rPr lang="en-US" i="1" dirty="0" err="1"/>
+              <a:t>các</a:t>
+            </a:r>
+            <a:r>
+              <a:rPr lang="en-US" i="1" dirty="0"/>
+              <a:t> </a:t>
+            </a:r>
+            <a:r>
+              <a:rPr lang="en-US" i="1" dirty="0" err="1"/>
+              <a:t>th</a:t>
+            </a:r>
+            <a:r>
+              <a:rPr lang="vi-VN" i="1" dirty="0"/>
+              <a:t>ư</a:t>
+            </a:r>
+            <a:r>
+              <a:rPr lang="en-US" i="1" dirty="0"/>
+              <a:t> </a:t>
+            </a:r>
+            <a:r>
+              <a:rPr lang="en-US" i="1" dirty="0" err="1"/>
+              <a:t>viện</a:t>
+            </a:r>
+            <a:r>
+              <a:rPr lang="en-US" i="1" dirty="0"/>
+              <a:t> (Library) </a:t>
+            </a:r>
+            <a:r>
+              <a:rPr lang="en-US" i="1" dirty="0" err="1"/>
+              <a:t>lập</a:t>
+            </a:r>
+            <a:r>
+              <a:rPr lang="en-US" i="1" dirty="0"/>
+              <a:t> </a:t>
+            </a:r>
+            <a:r>
+              <a:rPr lang="en-US" i="1" dirty="0" err="1"/>
+              <a:t>trình</a:t>
+            </a:r>
+            <a:r>
+              <a:rPr lang="en-US" i="1" dirty="0"/>
+              <a:t> </a:t>
+            </a:r>
+            <a:r>
+              <a:rPr lang="en-US" i="1" dirty="0" err="1"/>
+              <a:t>cài</a:t>
+            </a:r>
+            <a:r>
+              <a:rPr lang="en-US" i="1" dirty="0"/>
+              <a:t> </a:t>
+            </a:r>
+            <a:r>
+              <a:rPr lang="en-US" i="1" dirty="0" err="1"/>
+              <a:t>sẵn</a:t>
+            </a:r>
+            <a:br>
+              <a:rPr lang="en-US" i="1" dirty="0"/>
+            </a:br>
+            <a:r>
+              <a:rPr lang="en-US" i="1" dirty="0" err="1"/>
+              <a:t>Ví</a:t>
+            </a:r>
+            <a:r>
+              <a:rPr lang="en-US" i="1" dirty="0"/>
+              <a:t> </a:t>
+            </a:r>
+            <a:r>
+              <a:rPr lang="en-US" i="1" dirty="0" err="1"/>
+              <a:t>dụ</a:t>
+            </a:r>
+            <a:r>
+              <a:rPr lang="en-US" i="1" dirty="0"/>
+              <a:t> </a:t>
+            </a:r>
+            <a:r>
+              <a:rPr lang="en-US" i="1" dirty="0" err="1"/>
+              <a:t>nh</a:t>
+            </a:r>
+            <a:r>
+              <a:rPr lang="vi-VN" i="1" dirty="0"/>
+              <a:t>ư</a:t>
+            </a:r>
+            <a:r>
+              <a:rPr lang="en-US" i="1" dirty="0"/>
+              <a:t> </a:t>
+            </a:r>
+            <a:br>
+              <a:rPr lang="en-US" i="1" dirty="0"/>
+            </a:br>
+            <a:r>
+              <a:rPr lang="en-US" i="1" dirty="0"/>
+              <a:t>1) Th</a:t>
+            </a:r>
+            <a:r>
+              <a:rPr lang="vi-VN" i="1" dirty="0"/>
+              <a:t>ư</a:t>
+            </a:r>
+            <a:r>
+              <a:rPr lang="en-US" i="1" dirty="0"/>
+              <a:t> </a:t>
+            </a:r>
+            <a:r>
+              <a:rPr lang="en-US" i="1" dirty="0" err="1"/>
+              <a:t>Viện</a:t>
+            </a:r>
+            <a:r>
+              <a:rPr lang="en-US" i="1" dirty="0"/>
+              <a:t>: </a:t>
+            </a:r>
+            <a:r>
+              <a:rPr lang="en-US" i="1" dirty="0" err="1"/>
+              <a:t>NewtonSoft</a:t>
+            </a:r>
+            <a:r>
+              <a:rPr lang="en-US" i="1" dirty="0"/>
+              <a:t> : </a:t>
+            </a:r>
+            <a:r>
+              <a:rPr lang="en-US" i="1" dirty="0" err="1"/>
+              <a:t>chuyên</a:t>
+            </a:r>
+            <a:r>
+              <a:rPr lang="en-US" i="1" dirty="0"/>
+              <a:t> dung </a:t>
+            </a:r>
+            <a:r>
+              <a:rPr lang="en-US" i="1" dirty="0" err="1"/>
+              <a:t>để</a:t>
+            </a:r>
+            <a:r>
+              <a:rPr lang="en-US" i="1" dirty="0"/>
+              <a:t> transform </a:t>
+            </a:r>
+            <a:r>
+              <a:rPr lang="en-US" i="1" dirty="0" err="1"/>
+              <a:t>cấu</a:t>
+            </a:r>
+            <a:r>
+              <a:rPr lang="en-US" i="1" dirty="0"/>
+              <a:t> </a:t>
+            </a:r>
+            <a:r>
+              <a:rPr lang="en-US" i="1" dirty="0" err="1"/>
+              <a:t>truc</a:t>
+            </a:r>
+            <a:r>
+              <a:rPr lang="en-US" i="1" dirty="0"/>
+              <a:t> </a:t>
+            </a:r>
+            <a:r>
+              <a:rPr lang="en-US" i="1" dirty="0" err="1"/>
+              <a:t>dữ</a:t>
+            </a:r>
+            <a:r>
+              <a:rPr lang="en-US" i="1" dirty="0"/>
+              <a:t> </a:t>
+            </a:r>
+            <a:r>
+              <a:rPr lang="en-US" i="1" dirty="0" err="1"/>
+              <a:t>liệu</a:t>
+            </a:r>
+            <a:r>
+              <a:rPr lang="en-US" i="1" dirty="0"/>
+              <a:t> JSON</a:t>
+            </a:r>
+            <a:br>
+              <a:rPr lang="en-US" i="1" dirty="0"/>
+            </a:br>
+            <a:r>
+              <a:rPr lang="en-US" i="1" dirty="0"/>
+              <a:t>2) Th</a:t>
+            </a:r>
+            <a:r>
+              <a:rPr lang="vi-VN" i="1" dirty="0"/>
+              <a:t>ư</a:t>
+            </a:r>
+            <a:r>
+              <a:rPr lang="en-US" i="1" dirty="0"/>
+              <a:t> </a:t>
+            </a:r>
+            <a:r>
+              <a:rPr lang="en-US" i="1" dirty="0" err="1"/>
+              <a:t>viện</a:t>
+            </a:r>
+            <a:r>
+              <a:rPr lang="en-US" i="1" dirty="0"/>
+              <a:t> Dapper: </a:t>
+            </a:r>
+            <a:r>
+              <a:rPr lang="en-US" i="1" dirty="0" err="1"/>
+              <a:t>Dùng</a:t>
+            </a:r>
+            <a:r>
+              <a:rPr lang="en-US" i="1" dirty="0"/>
+              <a:t> </a:t>
+            </a:r>
+            <a:r>
+              <a:rPr lang="en-US" i="1" dirty="0" err="1"/>
+              <a:t>để</a:t>
+            </a:r>
+            <a:r>
+              <a:rPr lang="en-US" i="1" dirty="0"/>
+              <a:t> connect, query </a:t>
+            </a:r>
+            <a:r>
+              <a:rPr lang="en-US" i="1" dirty="0" err="1"/>
+              <a:t>từ</a:t>
+            </a:r>
+            <a:r>
+              <a:rPr lang="en-US" i="1" dirty="0"/>
+              <a:t> Database Server</a:t>
+            </a:r>
+            <a:br>
+              <a:rPr lang="en-US" i="1" dirty="0"/>
+            </a:br>
+            <a:r>
+              <a:rPr lang="en-US" i="1" dirty="0"/>
+              <a:t>3) Th</a:t>
+            </a:r>
+            <a:r>
+              <a:rPr lang="vi-VN" i="1" dirty="0"/>
+              <a:t>ư</a:t>
+            </a:r>
+            <a:r>
+              <a:rPr lang="en-US" i="1" dirty="0"/>
+              <a:t> </a:t>
+            </a:r>
+            <a:r>
+              <a:rPr lang="en-US" i="1" dirty="0" err="1"/>
+              <a:t>viện</a:t>
+            </a:r>
+            <a:r>
+              <a:rPr lang="en-US" i="1" dirty="0"/>
+              <a:t> </a:t>
+            </a:r>
+            <a:r>
+              <a:rPr lang="en-US" i="1" dirty="0" err="1"/>
+              <a:t>FlUrl</a:t>
+            </a:r>
+            <a:r>
+              <a:rPr lang="en-US" i="1" dirty="0"/>
+              <a:t>: </a:t>
+            </a:r>
+            <a:r>
+              <a:rPr lang="en-US" i="1" dirty="0" err="1"/>
+              <a:t>Dùng</a:t>
+            </a:r>
+            <a:r>
+              <a:rPr lang="en-US" i="1" dirty="0"/>
+              <a:t> </a:t>
+            </a:r>
+            <a:r>
+              <a:rPr lang="en-US" i="1" dirty="0" err="1"/>
+              <a:t>để</a:t>
+            </a:r>
+            <a:r>
+              <a:rPr lang="en-US" i="1" dirty="0"/>
+              <a:t> download/call </a:t>
+            </a:r>
+            <a:r>
+              <a:rPr lang="en-US" i="1" dirty="0" err="1"/>
+              <a:t>các</a:t>
+            </a:r>
+            <a:r>
+              <a:rPr lang="en-US" i="1" dirty="0"/>
+              <a:t> </a:t>
+            </a:r>
+            <a:r>
+              <a:rPr lang="en-US" i="1" dirty="0" err="1"/>
+              <a:t>dịch</a:t>
+            </a:r>
+            <a:r>
+              <a:rPr lang="en-US" i="1" dirty="0"/>
+              <a:t> </a:t>
+            </a:r>
+            <a:r>
+              <a:rPr lang="en-US" i="1" dirty="0" err="1"/>
+              <a:t>vụ</a:t>
+            </a:r>
+            <a:r>
+              <a:rPr lang="en-US" i="1" dirty="0"/>
+              <a:t> </a:t>
+            </a:r>
+            <a:r>
+              <a:rPr lang="en-US" i="1" dirty="0" err="1"/>
+              <a:t>trang</a:t>
+            </a:r>
+            <a:r>
+              <a:rPr lang="en-US" i="1" dirty="0"/>
+              <a:t> web/</a:t>
+            </a:r>
+            <a:r>
+              <a:rPr lang="en-US" i="1" dirty="0" err="1"/>
+              <a:t>api</a:t>
+            </a:r>
+            <a:r>
+              <a:rPr lang="en-US" i="1" dirty="0"/>
+              <a:t>.</a:t>
+            </a:r>
+          </a:p>
+          <a:p>
+            <a:r>
+              <a:rPr lang="en-US" i="1" dirty="0"/>
+              <a:t>…..</a:t>
+            </a:r>
+            <a:br>
+              <a:rPr lang="en-US" i="1" dirty="0"/>
+            </a:br>
+            <a:r>
+              <a:rPr lang="en-US" sz="2800" b="1" i="1" dirty="0"/>
+              <a:t>B2) F5 </a:t>
+            </a:r>
+            <a:r>
+              <a:rPr lang="en-US" sz="2800" b="1" i="1" dirty="0" err="1"/>
+              <a:t>để</a:t>
+            </a:r>
+            <a:r>
+              <a:rPr lang="en-US" sz="2800" b="1" i="1" dirty="0"/>
+              <a:t> </a:t>
+            </a:r>
+            <a:r>
+              <a:rPr lang="en-US" sz="2800" b="1" i="1" dirty="0" err="1"/>
+              <a:t>chạy</a:t>
+            </a:r>
+            <a:br>
+              <a:rPr lang="en-US" i="1" dirty="0"/>
+            </a:br>
+            <a:endParaRPr lang="en-US" i="1" dirty="0"/>
+          </a:p>
+        </p:txBody>
+      </p:sp>
+    </p:spTree>
+    <p:extLst>
+      <p:ext uri="{BB962C8B-B14F-4D97-AF65-F5344CB8AC3E}">
+        <p14:creationId xmlns:p14="http://schemas.microsoft.com/office/powerpoint/2010/main" val="1259780314"/>
+      </p:ext>
+    </p:extLst>
+  </p:cSld>
+  <p:clrMapOvr>
+    <a:masterClrMapping/>
+  </p:clrMapOvr>
+</p:sld>
+</file>
+
+<file path=ppt/slides/slide8.xml><?xml version="1.0" encoding="utf-8"?>
+<p:sld xmlns:a="http://schemas.openxmlformats.org/drawingml/2006/main" xmlns:r="http://schemas.openxmlformats.org/officeDocument/2006/relationships" xmlns:p="http://schemas.openxmlformats.org/presentationml/2006/main">
+  <p:cSld>
+    <p:spTree>
+      <p:nvGrpSpPr>
+        <p:cNvPr id="1" name=""/>
+        <p:cNvGrpSpPr/>
+        <p:nvPr/>
+      </p:nvGrpSpPr>
+      <p:grpSpPr>
+        <a:xfrm>
+          <a:off x="0" y="0"/>
+          <a:ext cx="0" cy="0"/>
+          <a:chOff x="0" y="0"/>
+          <a:chExt cx="0" cy="0"/>
+        </a:xfrm>
+      </p:grpSpPr>
+      <p:sp>
+        <p:nvSpPr>
+          <p:cNvPr id="2" name="Title 1">
+            <a:extLst>
+              <a:ext uri="{FF2B5EF4-FFF2-40B4-BE49-F238E27FC236}">
+                <a16:creationId xmlns:a16="http://schemas.microsoft.com/office/drawing/2014/main" id="{D1A55564-F302-4BDD-BFE9-31E54A7701ED}"/>
+              </a:ext>
+            </a:extLst>
+          </p:cNvPr>
+          <p:cNvSpPr>
+            <a:spLocks noGrp="1"/>
+          </p:cNvSpPr>
+          <p:nvPr>
+            <p:ph type="title"/>
+          </p:nvPr>
+        </p:nvSpPr>
+        <p:spPr/>
+        <p:txBody>
+          <a:bodyPr/>
+          <a:lstStyle/>
+          <a:p>
+            <a:r>
+              <a:rPr lang="en-US" dirty="0"/>
+              <a:t>B</a:t>
+            </a:r>
+            <a:r>
+              <a:rPr lang="vi-VN" dirty="0"/>
+              <a:t>ư</a:t>
+            </a:r>
+            <a:r>
+              <a:rPr lang="en-US" dirty="0" err="1"/>
+              <a:t>ớc</a:t>
+            </a:r>
+            <a:r>
+              <a:rPr lang="en-US" dirty="0"/>
+              <a:t> </a:t>
+            </a:r>
+            <a:r>
+              <a:rPr lang="en-US" dirty="0" err="1"/>
+              <a:t>đầu</a:t>
+            </a:r>
+            <a:r>
+              <a:rPr lang="en-US" dirty="0"/>
+              <a:t> </a:t>
+            </a:r>
+            <a:r>
+              <a:rPr lang="en-US" dirty="0" err="1"/>
+              <a:t>FrontEnd</a:t>
+            </a:r>
+            <a:endParaRPr lang="en-US" dirty="0"/>
+          </a:p>
+        </p:txBody>
+      </p:sp>
+      <p:sp>
+        <p:nvSpPr>
+          <p:cNvPr id="6" name="TextBox 5">
+            <a:extLst>
+              <a:ext uri="{FF2B5EF4-FFF2-40B4-BE49-F238E27FC236}">
+                <a16:creationId xmlns:a16="http://schemas.microsoft.com/office/drawing/2014/main" id="{A22822FE-C85C-4791-BC86-12F154F7DB4A}"/>
+              </a:ext>
+            </a:extLst>
+          </p:cNvPr>
+          <p:cNvSpPr txBox="1"/>
+          <p:nvPr/>
+        </p:nvSpPr>
+        <p:spPr>
+          <a:xfrm>
+            <a:off x="912845" y="1606713"/>
+            <a:ext cx="5400774" cy="2862322"/>
+          </a:xfrm>
+          <a:prstGeom prst="rect">
+            <a:avLst/>
+          </a:prstGeom>
+          <a:noFill/>
+        </p:spPr>
+        <p:txBody>
+          <a:bodyPr wrap="none" rtlCol="0">
+            <a:spAutoFit/>
+          </a:bodyPr>
+          <a:lstStyle/>
+          <a:p>
+            <a:r>
+              <a:rPr lang="en-US" sz="2000" dirty="0" err="1"/>
+              <a:t>Đảm</a:t>
+            </a:r>
+            <a:r>
+              <a:rPr lang="en-US" sz="2000" dirty="0"/>
+              <a:t> </a:t>
+            </a:r>
+            <a:r>
+              <a:rPr lang="en-US" sz="2000" dirty="0" err="1"/>
+              <a:t>bảo</a:t>
+            </a:r>
+            <a:r>
+              <a:rPr lang="en-US" sz="2000" dirty="0"/>
+              <a:t> </a:t>
+            </a:r>
+            <a:r>
+              <a:rPr lang="en-US" sz="2000" dirty="0" err="1"/>
+              <a:t>đã</a:t>
+            </a:r>
+            <a:r>
+              <a:rPr lang="en-US" sz="2000" dirty="0"/>
+              <a:t> </a:t>
+            </a:r>
+            <a:r>
+              <a:rPr lang="en-US" sz="2000" dirty="0" err="1"/>
+              <a:t>cài</a:t>
+            </a:r>
+            <a:r>
+              <a:rPr lang="en-US" sz="2000" dirty="0"/>
+              <a:t>: NodeJS, Angular ở slide tr</a:t>
+            </a:r>
+            <a:r>
+              <a:rPr lang="vi-VN" sz="2000" dirty="0"/>
+              <a:t>ư</a:t>
+            </a:r>
+            <a:r>
+              <a:rPr lang="en-US" sz="2000" dirty="0" err="1"/>
+              <a:t>ớc</a:t>
+            </a:r>
+            <a:br>
+              <a:rPr lang="en-US" sz="2000" dirty="0"/>
+            </a:br>
+            <a:endParaRPr lang="en-US" sz="2000" dirty="0"/>
+          </a:p>
+          <a:p>
+            <a:r>
+              <a:rPr lang="en-US" sz="2000" dirty="0" err="1"/>
+              <a:t>Vào</a:t>
+            </a:r>
+            <a:r>
+              <a:rPr lang="en-US" sz="2000" dirty="0"/>
+              <a:t> folder </a:t>
+            </a:r>
+            <a:r>
+              <a:rPr lang="en-US" sz="2000" dirty="0" err="1"/>
+              <a:t>FrontEnd</a:t>
+            </a:r>
+            <a:br>
+              <a:rPr lang="en-US" sz="2000" dirty="0"/>
+            </a:br>
+            <a:br>
+              <a:rPr lang="en-US" sz="2000" dirty="0"/>
+            </a:br>
+            <a:r>
+              <a:rPr lang="en-US" sz="2000" b="1" dirty="0"/>
+              <a:t>B1) </a:t>
+            </a:r>
+            <a:r>
+              <a:rPr lang="en-US" sz="2000" b="1" dirty="0" err="1"/>
+              <a:t>Chạy</a:t>
+            </a:r>
+            <a:r>
+              <a:rPr lang="en-US" sz="2000" b="1" dirty="0"/>
+              <a:t> command: </a:t>
+            </a:r>
+            <a:r>
+              <a:rPr lang="en-US" sz="2000" b="1" dirty="0" err="1"/>
+              <a:t>npm</a:t>
+            </a:r>
+            <a:r>
+              <a:rPr lang="en-US" sz="2000" b="1" dirty="0"/>
+              <a:t> i</a:t>
+            </a:r>
+            <a:br>
+              <a:rPr lang="en-US" sz="2000" dirty="0"/>
+            </a:br>
+            <a:r>
+              <a:rPr lang="en-US" sz="2000" dirty="0" err="1"/>
+              <a:t>Mục</a:t>
+            </a:r>
+            <a:r>
+              <a:rPr lang="en-US" sz="2000" dirty="0"/>
+              <a:t> </a:t>
+            </a:r>
+            <a:r>
+              <a:rPr lang="en-US" sz="2000" dirty="0" err="1"/>
+              <a:t>đích</a:t>
+            </a:r>
+            <a:r>
+              <a:rPr lang="en-US" sz="2000" dirty="0"/>
+              <a:t>: </a:t>
+            </a:r>
+            <a:r>
+              <a:rPr lang="en-US" sz="2000" dirty="0" err="1"/>
+              <a:t>kéo</a:t>
+            </a:r>
+            <a:r>
+              <a:rPr lang="en-US" sz="2000" dirty="0"/>
+              <a:t> </a:t>
+            </a:r>
+            <a:r>
+              <a:rPr lang="en-US" sz="2000" dirty="0" err="1"/>
+              <a:t>các</a:t>
+            </a:r>
+            <a:r>
+              <a:rPr lang="en-US" sz="2000" dirty="0"/>
+              <a:t> </a:t>
+            </a:r>
+            <a:r>
+              <a:rPr lang="en-US" sz="2000" dirty="0" err="1"/>
+              <a:t>th</a:t>
+            </a:r>
+            <a:r>
+              <a:rPr lang="vi-VN" sz="2000" dirty="0"/>
+              <a:t>ư</a:t>
+            </a:r>
+            <a:r>
+              <a:rPr lang="en-US" sz="2000" dirty="0"/>
+              <a:t> </a:t>
+            </a:r>
+            <a:r>
+              <a:rPr lang="en-US" sz="2000" dirty="0" err="1"/>
+              <a:t>viện</a:t>
+            </a:r>
+            <a:r>
+              <a:rPr lang="en-US" sz="2000" dirty="0"/>
+              <a:t> </a:t>
+            </a:r>
+            <a:r>
+              <a:rPr lang="en-US" sz="2000" dirty="0" err="1"/>
+              <a:t>liên</a:t>
+            </a:r>
+            <a:r>
+              <a:rPr lang="en-US" sz="2000" dirty="0"/>
+              <a:t> </a:t>
+            </a:r>
+            <a:r>
+              <a:rPr lang="en-US" sz="2000" dirty="0" err="1"/>
+              <a:t>quan</a:t>
+            </a:r>
+            <a:r>
+              <a:rPr lang="en-US" sz="2000" dirty="0"/>
+              <a:t> </a:t>
+            </a:r>
+            <a:r>
+              <a:rPr lang="en-US" sz="2000" dirty="0" err="1"/>
+              <a:t>của</a:t>
+            </a:r>
+            <a:r>
+              <a:rPr lang="en-US" sz="2000" dirty="0"/>
+              <a:t> </a:t>
+            </a:r>
+            <a:r>
+              <a:rPr lang="en-US" sz="2000" dirty="0" err="1"/>
+              <a:t>dự</a:t>
+            </a:r>
+            <a:r>
+              <a:rPr lang="en-US" sz="2000" dirty="0"/>
+              <a:t> </a:t>
+            </a:r>
+            <a:r>
+              <a:rPr lang="en-US" sz="2000" dirty="0" err="1"/>
+              <a:t>án</a:t>
+            </a:r>
+            <a:r>
+              <a:rPr lang="en-US" sz="2000" dirty="0"/>
+              <a:t> </a:t>
+            </a:r>
+            <a:r>
+              <a:rPr lang="en-US" sz="2000" dirty="0" err="1"/>
+              <a:t>về</a:t>
+            </a:r>
+            <a:br>
+              <a:rPr lang="en-US" sz="2000" dirty="0"/>
+            </a:br>
+            <a:r>
+              <a:rPr lang="en-US" sz="2000" dirty="0"/>
+              <a:t>I </a:t>
+            </a:r>
+            <a:r>
+              <a:rPr lang="en-US" sz="2000" dirty="0" err="1"/>
+              <a:t>là</a:t>
+            </a:r>
+            <a:r>
+              <a:rPr lang="en-US" sz="2000" dirty="0"/>
+              <a:t> </a:t>
+            </a:r>
+            <a:r>
+              <a:rPr lang="en-US" sz="2000" dirty="0" err="1"/>
+              <a:t>viết</a:t>
+            </a:r>
+            <a:r>
+              <a:rPr lang="en-US" sz="2000" dirty="0"/>
+              <a:t> </a:t>
+            </a:r>
+            <a:r>
+              <a:rPr lang="en-US" sz="2000" dirty="0" err="1"/>
+              <a:t>tắt</a:t>
+            </a:r>
+            <a:r>
+              <a:rPr lang="en-US" sz="2000" dirty="0"/>
+              <a:t> </a:t>
+            </a:r>
+            <a:r>
+              <a:rPr lang="en-US" sz="2000" dirty="0" err="1"/>
+              <a:t>từ</a:t>
+            </a:r>
+            <a:r>
+              <a:rPr lang="en-US" sz="2000" dirty="0"/>
+              <a:t> install</a:t>
+            </a:r>
+          </a:p>
+          <a:p>
+            <a:br>
+              <a:rPr lang="en-US" sz="2000" dirty="0"/>
+            </a:br>
+            <a:r>
+              <a:rPr lang="en-US" sz="2000" b="1" dirty="0"/>
+              <a:t>B2) </a:t>
+            </a:r>
+            <a:r>
+              <a:rPr lang="en-US" b="1" dirty="0"/>
+              <a:t>ng serve --open</a:t>
+            </a:r>
+          </a:p>
+        </p:txBody>
+      </p:sp>
+      <p:pic>
+        <p:nvPicPr>
+          <p:cNvPr id="7" name="Picture 6">
+            <a:extLst>
+              <a:ext uri="{FF2B5EF4-FFF2-40B4-BE49-F238E27FC236}">
+                <a16:creationId xmlns:a16="http://schemas.microsoft.com/office/drawing/2014/main" id="{CAF67C26-3335-438A-AA1F-6960F6C2BB80}"/>
+              </a:ext>
+            </a:extLst>
+          </p:cNvPr>
+          <p:cNvPicPr>
+            <a:picLocks noChangeAspect="1"/>
+          </p:cNvPicPr>
+          <p:nvPr/>
+        </p:nvPicPr>
+        <p:blipFill>
+          <a:blip r:embed="rId2"/>
+          <a:stretch>
+            <a:fillRect/>
+          </a:stretch>
+        </p:blipFill>
+        <p:spPr>
+          <a:xfrm>
+            <a:off x="4618652" y="3722697"/>
+            <a:ext cx="6817567" cy="2889229"/>
+          </a:xfrm>
+          <a:prstGeom prst="rect">
+            <a:avLst/>
+          </a:prstGeom>
+        </p:spPr>
+      </p:pic>
+    </p:spTree>
+    <p:extLst>
+      <p:ext uri="{BB962C8B-B14F-4D97-AF65-F5344CB8AC3E}">
+        <p14:creationId xmlns:p14="http://schemas.microsoft.com/office/powerpoint/2010/main" val="2083069307"/>
       </p:ext>
     </p:extLst>
   </p:cSld>
